--- a/ACS Music.pptx
+++ b/ACS Music.pptx
@@ -266,7 +266,7 @@
           <a:p>
             <a:fld id="{6BB2D5F6-7523-445C-B617-FA44BA703ABD}" type="datetimeFigureOut">
               <a:rPr lang="fr-FR" smtClean="0"/>
-              <a:t>30/08/2021</a:t>
+              <a:t>31/08/2021</a:t>
             </a:fld>
             <a:endParaRPr lang="fr-FR"/>
           </a:p>
@@ -464,7 +464,7 @@
           <a:p>
             <a:fld id="{6BB2D5F6-7523-445C-B617-FA44BA703ABD}" type="datetimeFigureOut">
               <a:rPr lang="fr-FR" smtClean="0"/>
-              <a:t>30/08/2021</a:t>
+              <a:t>31/08/2021</a:t>
             </a:fld>
             <a:endParaRPr lang="fr-FR"/>
           </a:p>
@@ -672,7 +672,7 @@
           <a:p>
             <a:fld id="{6BB2D5F6-7523-445C-B617-FA44BA703ABD}" type="datetimeFigureOut">
               <a:rPr lang="fr-FR" smtClean="0"/>
-              <a:t>30/08/2021</a:t>
+              <a:t>31/08/2021</a:t>
             </a:fld>
             <a:endParaRPr lang="fr-FR"/>
           </a:p>
@@ -870,7 +870,7 @@
           <a:p>
             <a:fld id="{6BB2D5F6-7523-445C-B617-FA44BA703ABD}" type="datetimeFigureOut">
               <a:rPr lang="fr-FR" smtClean="0"/>
-              <a:t>30/08/2021</a:t>
+              <a:t>31/08/2021</a:t>
             </a:fld>
             <a:endParaRPr lang="fr-FR"/>
           </a:p>
@@ -1145,7 +1145,7 @@
           <a:p>
             <a:fld id="{6BB2D5F6-7523-445C-B617-FA44BA703ABD}" type="datetimeFigureOut">
               <a:rPr lang="fr-FR" smtClean="0"/>
-              <a:t>30/08/2021</a:t>
+              <a:t>31/08/2021</a:t>
             </a:fld>
             <a:endParaRPr lang="fr-FR"/>
           </a:p>
@@ -1410,7 +1410,7 @@
           <a:p>
             <a:fld id="{6BB2D5F6-7523-445C-B617-FA44BA703ABD}" type="datetimeFigureOut">
               <a:rPr lang="fr-FR" smtClean="0"/>
-              <a:t>30/08/2021</a:t>
+              <a:t>31/08/2021</a:t>
             </a:fld>
             <a:endParaRPr lang="fr-FR"/>
           </a:p>
@@ -1822,7 +1822,7 @@
           <a:p>
             <a:fld id="{6BB2D5F6-7523-445C-B617-FA44BA703ABD}" type="datetimeFigureOut">
               <a:rPr lang="fr-FR" smtClean="0"/>
-              <a:t>30/08/2021</a:t>
+              <a:t>31/08/2021</a:t>
             </a:fld>
             <a:endParaRPr lang="fr-FR"/>
           </a:p>
@@ -1963,7 +1963,7 @@
           <a:p>
             <a:fld id="{6BB2D5F6-7523-445C-B617-FA44BA703ABD}" type="datetimeFigureOut">
               <a:rPr lang="fr-FR" smtClean="0"/>
-              <a:t>30/08/2021</a:t>
+              <a:t>31/08/2021</a:t>
             </a:fld>
             <a:endParaRPr lang="fr-FR"/>
           </a:p>
@@ -2076,7 +2076,7 @@
           <a:p>
             <a:fld id="{6BB2D5F6-7523-445C-B617-FA44BA703ABD}" type="datetimeFigureOut">
               <a:rPr lang="fr-FR" smtClean="0"/>
-              <a:t>30/08/2021</a:t>
+              <a:t>31/08/2021</a:t>
             </a:fld>
             <a:endParaRPr lang="fr-FR"/>
           </a:p>
@@ -2387,7 +2387,7 @@
           <a:p>
             <a:fld id="{6BB2D5F6-7523-445C-B617-FA44BA703ABD}" type="datetimeFigureOut">
               <a:rPr lang="fr-FR" smtClean="0"/>
-              <a:t>30/08/2021</a:t>
+              <a:t>31/08/2021</a:t>
             </a:fld>
             <a:endParaRPr lang="fr-FR"/>
           </a:p>
@@ -2675,7 +2675,7 @@
           <a:p>
             <a:fld id="{6BB2D5F6-7523-445C-B617-FA44BA703ABD}" type="datetimeFigureOut">
               <a:rPr lang="fr-FR" smtClean="0"/>
-              <a:t>30/08/2021</a:t>
+              <a:t>31/08/2021</a:t>
             </a:fld>
             <a:endParaRPr lang="fr-FR"/>
           </a:p>
@@ -2916,7 +2916,7 @@
           <a:p>
             <a:fld id="{6BB2D5F6-7523-445C-B617-FA44BA703ABD}" type="datetimeFigureOut">
               <a:rPr lang="fr-FR" smtClean="0"/>
-              <a:t>30/08/2021</a:t>
+              <a:t>31/08/2021</a:t>
             </a:fld>
             <a:endParaRPr lang="fr-FR"/>
           </a:p>
@@ -4445,7 +4445,12 @@
             <p:ph type="title"/>
           </p:nvPr>
         </p:nvSpPr>
-        <p:spPr/>
+        <p:spPr>
+          <a:xfrm>
+            <a:off x="958056" y="689181"/>
+            <a:ext cx="3932237" cy="599661"/>
+          </a:xfrm>
+        </p:spPr>
         <p:txBody>
           <a:bodyPr/>
           <a:lstStyle/>
@@ -4473,7 +4478,12 @@
             <p:ph type="body" sz="half" idx="2"/>
           </p:nvPr>
         </p:nvSpPr>
-        <p:spPr/>
+        <p:spPr>
+          <a:xfrm>
+            <a:off x="958056" y="1332705"/>
+            <a:ext cx="3932237" cy="5121103"/>
+          </a:xfrm>
+        </p:spPr>
         <p:txBody>
           <a:bodyPr/>
           <a:lstStyle/>
@@ -4488,6 +4498,36 @@
               <a:rPr lang="fr-FR" dirty="0"/>
               <a:t>BOLD, MEDIUM et REGULAR</a:t>
             </a:r>
+          </a:p>
+          <a:p>
+            <a:endParaRPr lang="fr-FR" dirty="0"/>
+          </a:p>
+          <a:p>
+            <a:endParaRPr lang="fr-FR" dirty="0"/>
+          </a:p>
+          <a:p>
+            <a:endParaRPr lang="fr-FR" dirty="0"/>
+          </a:p>
+          <a:p>
+            <a:endParaRPr lang="fr-FR" dirty="0"/>
+          </a:p>
+          <a:p>
+            <a:endParaRPr lang="fr-FR" dirty="0"/>
+          </a:p>
+          <a:p>
+            <a:endParaRPr lang="fr-FR" dirty="0"/>
+          </a:p>
+          <a:p>
+            <a:endParaRPr lang="fr-FR" dirty="0"/>
+          </a:p>
+          <a:p>
+            <a:endParaRPr lang="fr-FR" dirty="0"/>
+          </a:p>
+          <a:p>
+            <a:endParaRPr lang="fr-FR" dirty="0"/>
+          </a:p>
+          <a:p>
+            <a:endParaRPr lang="fr-FR" dirty="0"/>
           </a:p>
           <a:p>
             <a:endParaRPr lang="fr-FR" dirty="0"/>
@@ -4741,6 +4781,36 @@
           </a:p>
         </p:txBody>
       </p:sp>
+      <p:pic>
+        <p:nvPicPr>
+          <p:cNvPr id="6" name="Image 5">
+            <a:extLst>
+              <a:ext uri="{FF2B5EF4-FFF2-40B4-BE49-F238E27FC236}">
+                <a16:creationId xmlns:a16="http://schemas.microsoft.com/office/drawing/2014/main" id="{E5FE7F07-7711-47C1-91BE-B40F64CD0B5B}"/>
+              </a:ext>
+            </a:extLst>
+          </p:cNvPr>
+          <p:cNvPicPr>
+            <a:picLocks noChangeAspect="1"/>
+          </p:cNvPicPr>
+          <p:nvPr/>
+        </p:nvPicPr>
+        <p:blipFill>
+          <a:blip r:embed="rId2"/>
+          <a:stretch>
+            <a:fillRect/>
+          </a:stretch>
+        </p:blipFill>
+        <p:spPr>
+          <a:xfrm>
+            <a:off x="958056" y="2103783"/>
+            <a:ext cx="3695700" cy="3124200"/>
+          </a:xfrm>
+          <a:prstGeom prst="rect">
+            <a:avLst/>
+          </a:prstGeom>
+        </p:spPr>
+      </p:pic>
     </p:spTree>
     <p:extLst>
       <p:ext uri="{BB962C8B-B14F-4D97-AF65-F5344CB8AC3E}">
